--- a/Slide.ppt.pptx
+++ b/Slide.ppt.pptx
@@ -4689,7 +4689,7 @@
         </p:nvSpPr>
         <p:spPr>
           <a:xfrm>
-            <a:off x="422666" y="3858399"/>
+            <a:off x="422665" y="4642671"/>
             <a:ext cx="1364673" cy="552360"/>
           </a:xfrm>
           <a:prstGeom prst="round2DiagRect">
@@ -4718,48 +4718,6 @@
             <a:r>
               <a:rPr lang="en-US" sz="1600" b="1" dirty="0" smtClean="0"/>
               <a:t>Logging</a:t>
-            </a:r>
-            <a:endParaRPr lang="en-US" sz="1600" b="1" dirty="0"/>
-          </a:p>
-        </p:txBody>
-      </p:sp>
-      <p:sp>
-        <p:nvSpPr>
-          <p:cNvPr id="105" name="Round Diagonal Corner Rectangle 104"/>
-          <p:cNvSpPr/>
-          <p:nvPr/>
-        </p:nvSpPr>
-        <p:spPr>
-          <a:xfrm>
-            <a:off x="422666" y="5105398"/>
-            <a:ext cx="1364673" cy="552360"/>
-          </a:xfrm>
-          <a:prstGeom prst="round2DiagRect">
-            <a:avLst/>
-          </a:prstGeom>
-        </p:spPr>
-        <p:style>
-          <a:lnRef idx="3">
-            <a:schemeClr val="lt1"/>
-          </a:lnRef>
-          <a:fillRef idx="1">
-            <a:schemeClr val="accent5"/>
-          </a:fillRef>
-          <a:effectRef idx="1">
-            <a:schemeClr val="accent5"/>
-          </a:effectRef>
-          <a:fontRef idx="minor">
-            <a:schemeClr val="lt1"/>
-          </a:fontRef>
-        </p:style>
-        <p:txBody>
-          <a:bodyPr rtlCol="0" anchor="ctr"/>
-          <a:lstStyle/>
-          <a:p>
-            <a:pPr algn="ctr"/>
-            <a:r>
-              <a:rPr lang="en-US" sz="1600" b="1" dirty="0" smtClean="0"/>
-              <a:t>Auditing</a:t>
             </a:r>
             <a:endParaRPr lang="en-US" sz="1600" b="1" dirty="0"/>
           </a:p>
